--- a/docs/diagrams/AddTestMarksSequenceDiagram.pptx
+++ b/docs/diagrams/AddTestMarksSequenceDiagram.pptx
@@ -208,7 +208,7 @@
           <a:p>
             <a:fld id="{F5CC4B3F-88C1-4FFA-B1B6-F41C21DC6924}" type="datetimeFigureOut">
               <a:rPr lang="en-US" smtClean="0"/>
-              <a:t>11/6/2018</a:t>
+              <a:t>11/11/2018</a:t>
             </a:fld>
             <a:endParaRPr lang="en-US"/>
           </a:p>
@@ -738,7 +738,7 @@
           <a:p>
             <a:fld id="{78C97017-6FC3-485B-9764-EAC9E56C1D49}" type="datetimeFigureOut">
               <a:rPr lang="en-US" smtClean="0"/>
-              <a:t>11/6/2018</a:t>
+              <a:t>11/11/2018</a:t>
             </a:fld>
             <a:endParaRPr lang="en-US"/>
           </a:p>
@@ -906,7 +906,7 @@
           <a:p>
             <a:fld id="{78C97017-6FC3-485B-9764-EAC9E56C1D49}" type="datetimeFigureOut">
               <a:rPr lang="en-US" smtClean="0"/>
-              <a:t>11/6/2018</a:t>
+              <a:t>11/11/2018</a:t>
             </a:fld>
             <a:endParaRPr lang="en-US"/>
           </a:p>
@@ -1084,7 +1084,7 @@
           <a:p>
             <a:fld id="{78C97017-6FC3-485B-9764-EAC9E56C1D49}" type="datetimeFigureOut">
               <a:rPr lang="en-US" smtClean="0"/>
-              <a:t>11/6/2018</a:t>
+              <a:t>11/11/2018</a:t>
             </a:fld>
             <a:endParaRPr lang="en-US"/>
           </a:p>
@@ -1252,7 +1252,7 @@
           <a:p>
             <a:fld id="{78C97017-6FC3-485B-9764-EAC9E56C1D49}" type="datetimeFigureOut">
               <a:rPr lang="en-US" smtClean="0"/>
-              <a:t>11/6/2018</a:t>
+              <a:t>11/11/2018</a:t>
             </a:fld>
             <a:endParaRPr lang="en-US"/>
           </a:p>
@@ -1497,7 +1497,7 @@
           <a:p>
             <a:fld id="{78C97017-6FC3-485B-9764-EAC9E56C1D49}" type="datetimeFigureOut">
               <a:rPr lang="en-US" smtClean="0"/>
-              <a:t>11/6/2018</a:t>
+              <a:t>11/11/2018</a:t>
             </a:fld>
             <a:endParaRPr lang="en-US"/>
           </a:p>
@@ -1782,7 +1782,7 @@
           <a:p>
             <a:fld id="{78C97017-6FC3-485B-9764-EAC9E56C1D49}" type="datetimeFigureOut">
               <a:rPr lang="en-US" smtClean="0"/>
-              <a:t>11/6/2018</a:t>
+              <a:t>11/11/2018</a:t>
             </a:fld>
             <a:endParaRPr lang="en-US"/>
           </a:p>
@@ -2201,7 +2201,7 @@
           <a:p>
             <a:fld id="{78C97017-6FC3-485B-9764-EAC9E56C1D49}" type="datetimeFigureOut">
               <a:rPr lang="en-US" smtClean="0"/>
-              <a:t>11/6/2018</a:t>
+              <a:t>11/11/2018</a:t>
             </a:fld>
             <a:endParaRPr lang="en-US"/>
           </a:p>
@@ -2318,7 +2318,7 @@
           <a:p>
             <a:fld id="{78C97017-6FC3-485B-9764-EAC9E56C1D49}" type="datetimeFigureOut">
               <a:rPr lang="en-US" smtClean="0"/>
-              <a:t>11/6/2018</a:t>
+              <a:t>11/11/2018</a:t>
             </a:fld>
             <a:endParaRPr lang="en-US"/>
           </a:p>
@@ -2413,7 +2413,7 @@
           <a:p>
             <a:fld id="{78C97017-6FC3-485B-9764-EAC9E56C1D49}" type="datetimeFigureOut">
               <a:rPr lang="en-US" smtClean="0"/>
-              <a:t>11/6/2018</a:t>
+              <a:t>11/11/2018</a:t>
             </a:fld>
             <a:endParaRPr lang="en-US"/>
           </a:p>
@@ -2688,7 +2688,7 @@
           <a:p>
             <a:fld id="{78C97017-6FC3-485B-9764-EAC9E56C1D49}" type="datetimeFigureOut">
               <a:rPr lang="en-US" smtClean="0"/>
-              <a:t>11/6/2018</a:t>
+              <a:t>11/11/2018</a:t>
             </a:fld>
             <a:endParaRPr lang="en-US"/>
           </a:p>
@@ -2940,7 +2940,7 @@
           <a:p>
             <a:fld id="{78C97017-6FC3-485B-9764-EAC9E56C1D49}" type="datetimeFigureOut">
               <a:rPr lang="en-US" smtClean="0"/>
-              <a:t>11/6/2018</a:t>
+              <a:t>11/11/2018</a:t>
             </a:fld>
             <a:endParaRPr lang="en-US"/>
           </a:p>
@@ -3151,7 +3151,7 @@
           <a:p>
             <a:fld id="{78C97017-6FC3-485B-9764-EAC9E56C1D49}" type="datetimeFigureOut">
               <a:rPr lang="en-US" smtClean="0"/>
-              <a:t>11/6/2018</a:t>
+              <a:t>11/11/2018</a:t>
             </a:fld>
             <a:endParaRPr lang="en-US"/>
           </a:p>
@@ -3534,8 +3534,8 @@
         </p:nvSpPr>
         <p:spPr>
           <a:xfrm>
-            <a:off x="6659789" y="-609600"/>
-            <a:ext cx="3918113" cy="6705600"/>
+            <a:off x="6562831" y="-609600"/>
+            <a:ext cx="4015071" cy="7620000"/>
           </a:xfrm>
           <a:prstGeom prst="roundRect">
             <a:avLst>
@@ -3610,7 +3610,7 @@
         <p:spPr>
           <a:xfrm>
             <a:off x="-2190972" y="-609600"/>
-            <a:ext cx="8847622" cy="6705600"/>
+            <a:ext cx="8771594" cy="7696200"/>
           </a:xfrm>
           <a:prstGeom prst="roundRect">
             <a:avLst>
@@ -3747,7 +3747,7 @@
         <p:spPr>
           <a:xfrm>
             <a:off x="-476808" y="-107177"/>
-            <a:ext cx="10643" cy="6107027"/>
+            <a:ext cx="13539" cy="7117577"/>
           </a:xfrm>
           <a:prstGeom prst="line">
             <a:avLst/>
@@ -3784,7 +3784,7 @@
         <p:spPr>
           <a:xfrm>
             <a:off x="-541955" y="107165"/>
-            <a:ext cx="134393" cy="5737746"/>
+            <a:ext cx="154950" cy="6537120"/>
           </a:xfrm>
           <a:prstGeom prst="rect">
             <a:avLst/>
@@ -3983,53 +3983,6 @@
           </a:p>
         </p:txBody>
       </p:sp>
-      <p:sp>
-        <p:nvSpPr>
-          <p:cNvPr id="21" name="Rectangle 20"/>
-          <p:cNvSpPr/>
-          <p:nvPr/>
-        </p:nvSpPr>
-        <p:spPr>
-          <a:xfrm>
-            <a:off x="4241401" y="1838772"/>
-            <a:ext cx="175511" cy="184666"/>
-          </a:xfrm>
-          <a:prstGeom prst="rect">
-            <a:avLst/>
-          </a:prstGeom>
-          <a:solidFill>
-            <a:srgbClr val="0070C0"/>
-          </a:solidFill>
-          <a:ln>
-            <a:solidFill>
-              <a:srgbClr val="0070C0"/>
-            </a:solidFill>
-          </a:ln>
-          <a:effectLst/>
-        </p:spPr>
-        <p:style>
-          <a:lnRef idx="1">
-            <a:schemeClr val="accent3"/>
-          </a:lnRef>
-          <a:fillRef idx="2">
-            <a:schemeClr val="accent3"/>
-          </a:fillRef>
-          <a:effectRef idx="1">
-            <a:schemeClr val="accent3"/>
-          </a:effectRef>
-          <a:fontRef idx="minor">
-            <a:schemeClr val="dk1"/>
-          </a:fontRef>
-        </p:style>
-        <p:txBody>
-          <a:bodyPr rtlCol="0" anchor="ctr"/>
-          <a:lstStyle/>
-          <a:p>
-            <a:pPr algn="ctr"/>
-            <a:endParaRPr lang="en-SG" sz="1400"/>
-          </a:p>
-        </p:txBody>
-      </p:sp>
       <p:cxnSp>
         <p:nvCxnSpPr>
           <p:cNvPr id="23" name="Straight Arrow Connector 22"/>
@@ -4074,8 +4027,8 @@
         </p:nvSpPr>
         <p:spPr>
           <a:xfrm>
-            <a:off x="-2225913" y="142608"/>
-            <a:ext cx="1624103" cy="646331"/>
+            <a:off x="-2165512" y="188258"/>
+            <a:ext cx="1624103" cy="553998"/>
           </a:xfrm>
           <a:prstGeom prst="rect">
             <a:avLst/>
@@ -4090,7 +4043,7 @@
           <a:p>
             <a:pPr algn="ctr"/>
             <a:r>
-              <a:rPr lang="en-US" sz="1400" dirty="0">
+              <a:rPr lang="en-US" sz="1200" dirty="0">
                 <a:solidFill>
                   <a:srgbClr val="0070C0"/>
                 </a:solidFill>
@@ -4101,7 +4054,7 @@
           <a:p>
             <a:pPr algn="ctr"/>
             <a:r>
-              <a:rPr lang="en-US" sz="1400" dirty="0">
+              <a:rPr lang="en-US" sz="1200" dirty="0">
                 <a:solidFill>
                   <a:srgbClr val="0070C0"/>
                 </a:solidFill>
@@ -4109,7 +4062,7 @@
               <a:t>(“</a:t>
             </a:r>
             <a:r>
-              <a:rPr lang="en-US" sz="1400" dirty="0" err="1">
+              <a:rPr lang="en-US" sz="1200" dirty="0" err="1">
                 <a:solidFill>
                   <a:srgbClr val="0070C0"/>
                 </a:solidFill>
@@ -4117,7 +4070,7 @@
               <a:t>adt</a:t>
             </a:r>
             <a:r>
-              <a:rPr lang="en-US" sz="1400" dirty="0">
+              <a:rPr lang="en-US" sz="1200" dirty="0">
                 <a:solidFill>
                   <a:srgbClr val="0070C0"/>
                 </a:solidFill>
@@ -4125,15 +4078,15 @@
               <a:t> </a:t>
             </a:r>
             <a:r>
-              <a:rPr lang="en-US" sz="1400" dirty="0" err="1">
+              <a:rPr lang="en-US" sz="1200" dirty="0" err="1">
                 <a:solidFill>
                   <a:srgbClr val="0070C0"/>
                 </a:solidFill>
               </a:rPr>
-              <a:t>studentname</a:t>
-            </a:r>
-            <a:r>
-              <a:rPr lang="en-US" sz="1400" dirty="0">
+              <a:t>person_name</a:t>
+            </a:r>
+            <a:r>
+              <a:rPr lang="en-US" sz="1200" dirty="0">
                 <a:solidFill>
                   <a:srgbClr val="0070C0"/>
                 </a:solidFill>
@@ -4141,7 +4094,7 @@
               <a:t> </a:t>
             </a:r>
             <a:r>
-              <a:rPr lang="en-US" sz="1400" dirty="0" err="1">
+              <a:rPr lang="en-US" sz="1200" dirty="0" err="1">
                 <a:solidFill>
                   <a:srgbClr val="0070C0"/>
                 </a:solidFill>
@@ -4149,12 +4102,28 @@
               <a:t>tn</a:t>
             </a:r>
             <a:r>
-              <a:rPr lang="en-US" sz="1400" dirty="0">
+              <a:rPr lang="en-US" sz="1200" dirty="0">
                 <a:solidFill>
                   <a:srgbClr val="0070C0"/>
                 </a:solidFill>
               </a:rPr>
-              <a:t>/cs2113 tm/66”)</a:t>
+              <a:t>/</a:t>
+            </a:r>
+            <a:r>
+              <a:rPr lang="en-US" sz="1200" dirty="0" err="1">
+                <a:solidFill>
+                  <a:srgbClr val="0070C0"/>
+                </a:solidFill>
+              </a:rPr>
+              <a:t>TestName</a:t>
+            </a:r>
+            <a:r>
+              <a:rPr lang="en-US" sz="1200" dirty="0">
+                <a:solidFill>
+                  <a:srgbClr val="0070C0"/>
+                </a:solidFill>
+              </a:rPr>
+              <a:t> tm/44”)</a:t>
             </a:r>
           </a:p>
         </p:txBody>
@@ -4205,7 +4174,7 @@
         </p:nvSpPr>
         <p:spPr>
           <a:xfrm>
-            <a:off x="1400833" y="2616319"/>
+            <a:off x="1451596" y="2835686"/>
             <a:ext cx="855809" cy="215444"/>
           </a:xfrm>
           <a:prstGeom prst="rect">
@@ -4285,7 +4254,7 @@
         </p:nvCxnSpPr>
         <p:spPr>
           <a:xfrm>
-            <a:off x="-1753594" y="5844911"/>
+            <a:off x="-1666090" y="6657274"/>
             <a:ext cx="1196051" cy="0"/>
           </a:xfrm>
           <a:prstGeom prst="straightConnector1">
@@ -4323,7 +4292,7 @@
         </p:nvSpPr>
         <p:spPr>
           <a:xfrm>
-            <a:off x="4968918" y="2710953"/>
+            <a:off x="4914480" y="4262344"/>
             <a:ext cx="1493947" cy="184666"/>
           </a:xfrm>
           <a:prstGeom prst="rect">
@@ -4351,7 +4320,9 @@
             <a:r>
               <a:rPr lang="en-US" sz="1200" dirty="0" err="1">
                 <a:solidFill>
-                  <a:srgbClr val="7030A0"/>
+                  <a:schemeClr val="accent4">
+                    <a:lumMod val="75000"/>
+                  </a:schemeClr>
                 </a:solidFill>
               </a:rPr>
               <a:t>updatePerson</a:t>
@@ -4368,8 +4339,8 @@
         </p:nvSpPr>
         <p:spPr>
           <a:xfrm>
-            <a:off x="-359806" y="396953"/>
-            <a:ext cx="1549469" cy="646331"/>
+            <a:off x="-207129" y="474958"/>
+            <a:ext cx="1258496" cy="738664"/>
           </a:xfrm>
           <a:prstGeom prst="rect">
             <a:avLst/>
@@ -4395,40 +4366,47 @@
           <a:p>
             <a:pPr algn="ctr"/>
             <a:r>
-              <a:rPr lang="en-US" dirty="0" err="1"/>
+              <a:rPr lang="en-US" sz="1200" dirty="0"/>
               <a:t>parseCommand</a:t>
             </a:r>
-            <a:endParaRPr lang="en-US" dirty="0"/>
           </a:p>
           <a:p>
             <a:pPr algn="ctr"/>
             <a:r>
-              <a:rPr lang="en-US" dirty="0"/>
+              <a:rPr lang="en-US" sz="1200" dirty="0"/>
               <a:t>(“</a:t>
             </a:r>
             <a:r>
-              <a:rPr lang="en-US" dirty="0" err="1"/>
+              <a:rPr lang="en-US" sz="1200" dirty="0" err="1"/>
               <a:t>adt</a:t>
             </a:r>
             <a:r>
-              <a:rPr lang="en-US" dirty="0"/>
+              <a:rPr lang="en-US" sz="1200" dirty="0"/>
               <a:t> </a:t>
             </a:r>
             <a:r>
-              <a:rPr lang="en-US" dirty="0" err="1"/>
-              <a:t>studentname</a:t>
-            </a:r>
-            <a:r>
-              <a:rPr lang="en-US" dirty="0"/>
+              <a:rPr lang="en-US" sz="1200" dirty="0" err="1"/>
+              <a:t>person_name</a:t>
+            </a:r>
+            <a:r>
+              <a:rPr lang="en-US" sz="1200" dirty="0"/>
               <a:t> </a:t>
             </a:r>
             <a:r>
-              <a:rPr lang="en-US" dirty="0" err="1"/>
+              <a:rPr lang="en-US" sz="1200" dirty="0" err="1"/>
               <a:t>tn</a:t>
             </a:r>
             <a:r>
-              <a:rPr lang="en-US" dirty="0"/>
-              <a:t>/cs2113 tm/66”)</a:t>
+              <a:rPr lang="en-US" sz="1200" dirty="0"/>
+              <a:t>/</a:t>
+            </a:r>
+            <a:r>
+              <a:rPr lang="en-US" sz="1200" dirty="0" err="1"/>
+              <a:t>TestName</a:t>
+            </a:r>
+            <a:r>
+              <a:rPr lang="en-US" sz="1200" dirty="0"/>
+              <a:t> tm/44”)</a:t>
             </a:r>
           </a:p>
         </p:txBody>
@@ -4441,7 +4419,7 @@
         </p:nvSpPr>
         <p:spPr>
           <a:xfrm>
-            <a:off x="1812695" y="5330488"/>
+            <a:off x="1812695" y="6189605"/>
             <a:ext cx="621216" cy="215444"/>
           </a:xfrm>
           <a:prstGeom prst="rect">
@@ -4481,7 +4459,7 @@
         </p:nvSpPr>
         <p:spPr>
           <a:xfrm>
-            <a:off x="-1600591" y="5572448"/>
+            <a:off x="-1600591" y="6431565"/>
             <a:ext cx="762000" cy="215444"/>
           </a:xfrm>
           <a:prstGeom prst="rect">
@@ -4521,7 +4499,7 @@
         </p:nvSpPr>
         <p:spPr>
           <a:xfrm>
-            <a:off x="7907750" y="2424152"/>
+            <a:off x="7907750" y="4045309"/>
             <a:ext cx="2181777" cy="335427"/>
           </a:xfrm>
           <a:prstGeom prst="rect">
@@ -4574,14 +4552,111 @@
       </p:sp>
       <p:sp>
         <p:nvSpPr>
-          <p:cNvPr id="86" name="Rectangle 85"/>
+          <p:cNvPr id="40" name="Rectangle 62"/>
           <p:cNvSpPr/>
           <p:nvPr/>
         </p:nvSpPr>
         <p:spPr>
           <a:xfrm>
-            <a:off x="7075021" y="2970663"/>
-            <a:ext cx="163377" cy="565702"/>
+            <a:off x="6799691" y="1324293"/>
+            <a:ext cx="841636" cy="300180"/>
+          </a:xfrm>
+          <a:prstGeom prst="rect">
+            <a:avLst/>
+          </a:prstGeom>
+          <a:solidFill>
+            <a:srgbClr val="7030A0"/>
+          </a:solidFill>
+          <a:ln w="19050">
+            <a:solidFill>
+              <a:srgbClr val="7030A0"/>
+            </a:solidFill>
+          </a:ln>
+          <a:effectLst/>
+        </p:spPr>
+        <p:style>
+          <a:lnRef idx="1">
+            <a:schemeClr val="accent2"/>
+          </a:lnRef>
+          <a:fillRef idx="2">
+            <a:schemeClr val="accent2"/>
+          </a:fillRef>
+          <a:effectRef idx="1">
+            <a:schemeClr val="accent2"/>
+          </a:effectRef>
+          <a:fontRef idx="minor">
+            <a:schemeClr val="dk1"/>
+          </a:fontRef>
+        </p:style>
+        <p:txBody>
+          <a:bodyPr rtlCol="0" anchor="ctr"/>
+          <a:lstStyle/>
+          <a:p>
+            <a:pPr algn="ctr"/>
+            <a:r>
+              <a:rPr lang="en-US" sz="1600" dirty="0">
+                <a:solidFill>
+                  <a:schemeClr val="bg1"/>
+                </a:solidFill>
+              </a:rPr>
+              <a:t>: Model</a:t>
+            </a:r>
+            <a:endParaRPr lang="en-SG" sz="1600" dirty="0">
+              <a:solidFill>
+                <a:schemeClr val="bg1"/>
+              </a:solidFill>
+            </a:endParaRPr>
+          </a:p>
+        </p:txBody>
+      </p:sp>
+      <p:cxnSp>
+        <p:nvCxnSpPr>
+          <p:cNvPr id="50" name="Straight Arrow Connector 49"/>
+          <p:cNvCxnSpPr>
+            <a:cxnSpLocks/>
+          </p:cNvCxnSpPr>
+          <p:nvPr/>
+        </p:nvCxnSpPr>
+        <p:spPr>
+          <a:xfrm>
+            <a:off x="4370971" y="4495800"/>
+            <a:ext cx="2785738" cy="0"/>
+          </a:xfrm>
+          <a:prstGeom prst="straightConnector1">
+            <a:avLst/>
+          </a:prstGeom>
+          <a:ln w="19050">
+            <a:solidFill>
+              <a:srgbClr val="0070C0"/>
+            </a:solidFill>
+            <a:tailEnd type="arrow"/>
+          </a:ln>
+        </p:spPr>
+        <p:style>
+          <a:lnRef idx="1">
+            <a:schemeClr val="accent1"/>
+          </a:lnRef>
+          <a:fillRef idx="0">
+            <a:schemeClr val="accent1"/>
+          </a:fillRef>
+          <a:effectRef idx="0">
+            <a:schemeClr val="accent1"/>
+          </a:effectRef>
+          <a:fontRef idx="minor">
+            <a:schemeClr val="tx1"/>
+          </a:fontRef>
+        </p:style>
+      </p:cxnSp>
+      <p:sp>
+        <p:nvSpPr>
+          <p:cNvPr id="49" name="Rectangle 48"/>
+          <p:cNvSpPr/>
+          <p:nvPr/>
+        </p:nvSpPr>
+        <p:spPr>
+          <a:xfrm>
+            <a:off x="8744757" y="4678374"/>
+            <a:ext cx="163377" cy="346053"/>
           </a:xfrm>
           <a:prstGeom prst="rect">
             <a:avLst/>
@@ -4621,157 +4696,13 @@
       </p:sp>
       <p:sp>
         <p:nvSpPr>
-          <p:cNvPr id="40" name="Rectangle 62"/>
-          <p:cNvSpPr/>
-          <p:nvPr/>
-        </p:nvSpPr>
-        <p:spPr>
-          <a:xfrm>
-            <a:off x="6799691" y="2480972"/>
-            <a:ext cx="841636" cy="300180"/>
-          </a:xfrm>
-          <a:prstGeom prst="rect">
-            <a:avLst/>
-          </a:prstGeom>
-          <a:solidFill>
-            <a:srgbClr val="7030A0"/>
-          </a:solidFill>
-          <a:ln w="19050">
-            <a:solidFill>
-              <a:srgbClr val="7030A0"/>
-            </a:solidFill>
-          </a:ln>
-          <a:effectLst/>
-        </p:spPr>
-        <p:style>
-          <a:lnRef idx="1">
-            <a:schemeClr val="accent2"/>
-          </a:lnRef>
-          <a:fillRef idx="2">
-            <a:schemeClr val="accent2"/>
-          </a:fillRef>
-          <a:effectRef idx="1">
-            <a:schemeClr val="accent2"/>
-          </a:effectRef>
-          <a:fontRef idx="minor">
-            <a:schemeClr val="dk1"/>
-          </a:fontRef>
-        </p:style>
-        <p:txBody>
-          <a:bodyPr rtlCol="0" anchor="ctr"/>
-          <a:lstStyle/>
-          <a:p>
-            <a:pPr algn="ctr"/>
-            <a:r>
-              <a:rPr lang="en-US" sz="1600" dirty="0">
-                <a:solidFill>
-                  <a:schemeClr val="bg1"/>
-                </a:solidFill>
-              </a:rPr>
-              <a:t>: Model</a:t>
-            </a:r>
-            <a:endParaRPr lang="en-SG" sz="1600" dirty="0">
-              <a:solidFill>
-                <a:schemeClr val="bg1"/>
-              </a:solidFill>
-            </a:endParaRPr>
-          </a:p>
-        </p:txBody>
-      </p:sp>
-      <p:sp>
-        <p:nvSpPr>
-          <p:cNvPr id="49" name="Rectangle 48"/>
-          <p:cNvSpPr/>
-          <p:nvPr/>
-        </p:nvSpPr>
-        <p:spPr>
-          <a:xfrm>
-            <a:off x="8744757" y="3057217"/>
-            <a:ext cx="163377" cy="346053"/>
-          </a:xfrm>
-          <a:prstGeom prst="rect">
-            <a:avLst/>
-          </a:prstGeom>
-          <a:solidFill>
-            <a:srgbClr val="7030A0"/>
-          </a:solidFill>
-          <a:ln>
-            <a:solidFill>
-              <a:srgbClr val="7030A0"/>
-            </a:solidFill>
-          </a:ln>
-          <a:effectLst/>
-        </p:spPr>
-        <p:style>
-          <a:lnRef idx="1">
-            <a:schemeClr val="accent3"/>
-          </a:lnRef>
-          <a:fillRef idx="2">
-            <a:schemeClr val="accent3"/>
-          </a:fillRef>
-          <a:effectRef idx="1">
-            <a:schemeClr val="accent3"/>
-          </a:effectRef>
-          <a:fontRef idx="minor">
-            <a:schemeClr val="dk1"/>
-          </a:fontRef>
-        </p:style>
-        <p:txBody>
-          <a:bodyPr rtlCol="0" anchor="ctr"/>
-          <a:lstStyle/>
-          <a:p>
-            <a:pPr algn="ctr"/>
-            <a:endParaRPr lang="en-SG" sz="1400"/>
-          </a:p>
-        </p:txBody>
-      </p:sp>
-      <p:cxnSp>
-        <p:nvCxnSpPr>
-          <p:cNvPr id="50" name="Straight Arrow Connector 49"/>
-          <p:cNvCxnSpPr>
-            <a:cxnSpLocks/>
-          </p:cNvCxnSpPr>
-          <p:nvPr/>
-        </p:nvCxnSpPr>
-        <p:spPr>
-          <a:xfrm>
-            <a:off x="4395454" y="2971800"/>
-            <a:ext cx="2676950" cy="0"/>
-          </a:xfrm>
-          <a:prstGeom prst="straightConnector1">
-            <a:avLst/>
-          </a:prstGeom>
-          <a:ln w="19050">
-            <a:solidFill>
-              <a:srgbClr val="0070C0"/>
-            </a:solidFill>
-            <a:tailEnd type="arrow"/>
-          </a:ln>
-        </p:spPr>
-        <p:style>
-          <a:lnRef idx="1">
-            <a:schemeClr val="accent1"/>
-          </a:lnRef>
-          <a:fillRef idx="0">
-            <a:schemeClr val="accent1"/>
-          </a:fillRef>
-          <a:effectRef idx="0">
-            <a:schemeClr val="accent1"/>
-          </a:effectRef>
-          <a:fontRef idx="minor">
-            <a:schemeClr val="tx1"/>
-          </a:fontRef>
-        </p:style>
-      </p:cxnSp>
-      <p:sp>
-        <p:nvSpPr>
           <p:cNvPr id="4" name="TextBox 3"/>
           <p:cNvSpPr txBox="1"/>
           <p:nvPr/>
         </p:nvSpPr>
         <p:spPr>
           <a:xfrm>
-            <a:off x="4181143" y="5738240"/>
+            <a:off x="4181143" y="6597357"/>
             <a:ext cx="258404" cy="261610"/>
           </a:xfrm>
           <a:prstGeom prst="rect">
@@ -4812,7 +4743,7 @@
         </p:nvCxnSpPr>
         <p:spPr>
           <a:xfrm>
-            <a:off x="-428013" y="2831763"/>
+            <a:off x="-399256" y="2781764"/>
             <a:ext cx="4625273" cy="0"/>
           </a:xfrm>
           <a:prstGeom prst="straightConnector1">
@@ -4940,7 +4871,7 @@
         </p:nvCxnSpPr>
         <p:spPr>
           <a:xfrm>
-            <a:off x="7220509" y="3069936"/>
+            <a:off x="7220509" y="4691093"/>
             <a:ext cx="1521631" cy="0"/>
           </a:xfrm>
           <a:prstGeom prst="straightConnector1">
@@ -5117,8 +5048,8 @@
         </p:nvSpPr>
         <p:spPr>
           <a:xfrm>
-            <a:off x="1175991" y="934031"/>
-            <a:ext cx="1713137" cy="646331"/>
+            <a:off x="1275701" y="967228"/>
+            <a:ext cx="1617116" cy="553998"/>
           </a:xfrm>
           <a:prstGeom prst="rect">
             <a:avLst/>
@@ -5144,31 +5075,31 @@
           <a:p>
             <a:pPr algn="ctr"/>
             <a:r>
-              <a:rPr lang="en-US" dirty="0"/>
+              <a:rPr lang="en-US" sz="1200" dirty="0"/>
               <a:t>parse</a:t>
             </a:r>
           </a:p>
           <a:p>
             <a:pPr algn="ctr"/>
             <a:r>
-              <a:rPr lang="en-US" dirty="0"/>
-              <a:t>(“ </a:t>
-            </a:r>
-            <a:r>
-              <a:rPr lang="en-US" dirty="0" err="1"/>
-              <a:t>studentname</a:t>
-            </a:r>
-            <a:r>
-              <a:rPr lang="en-US" dirty="0"/>
-              <a:t> </a:t>
-            </a:r>
-            <a:r>
-              <a:rPr lang="en-US" dirty="0" err="1"/>
+              <a:rPr lang="en-US" sz="1200" dirty="0"/>
+              <a:t>(“name </a:t>
+            </a:r>
+            <a:r>
+              <a:rPr lang="en-US" sz="1200" dirty="0" err="1"/>
               <a:t>tn</a:t>
             </a:r>
             <a:r>
-              <a:rPr lang="en-US" dirty="0"/>
-              <a:t>/cs2113 tm/66”)</a:t>
+              <a:rPr lang="en-US" sz="1200" dirty="0"/>
+              <a:t>/</a:t>
+            </a:r>
+            <a:r>
+              <a:rPr lang="en-US" sz="1200" dirty="0" err="1"/>
+              <a:t>TestName</a:t>
+            </a:r>
+            <a:r>
+              <a:rPr lang="en-US" sz="1200" dirty="0"/>
+              <a:t> tm/24”)</a:t>
             </a:r>
           </a:p>
         </p:txBody>
@@ -5246,9 +5177,9 @@
           <p:nvPr/>
         </p:nvCxnSpPr>
         <p:spPr>
-          <a:xfrm>
-            <a:off x="2902140" y="1587217"/>
-            <a:ext cx="816706" cy="7482"/>
+          <a:xfrm flipV="1">
+            <a:off x="2902140" y="1587215"/>
+            <a:ext cx="816705" cy="2"/>
           </a:xfrm>
           <a:prstGeom prst="straightConnector1">
             <a:avLst/>
@@ -5289,8 +5220,8 @@
         </p:nvSpPr>
         <p:spPr>
           <a:xfrm>
-            <a:off x="3718846" y="1333847"/>
-            <a:ext cx="1538954" cy="521703"/>
+            <a:off x="3718845" y="1318879"/>
+            <a:ext cx="1450801" cy="536672"/>
           </a:xfrm>
           <a:prstGeom prst="rect">
             <a:avLst/>
@@ -5330,7 +5261,7 @@
                   <a:schemeClr val="bg1"/>
                 </a:solidFill>
               </a:rPr>
-              <a:t>a:AddTestMarksCommand</a:t>
+              <a:t>:AddTestMarksCommand</a:t>
             </a:r>
             <a:endParaRPr lang="en-SG" sz="1600" dirty="0">
               <a:solidFill>
@@ -5357,8 +5288,8 @@
         </p:nvCxnSpPr>
         <p:spPr>
           <a:xfrm flipH="1">
-            <a:off x="4310345" y="1831488"/>
-            <a:ext cx="21242" cy="3906752"/>
+            <a:off x="4310345" y="1838772"/>
+            <a:ext cx="10236" cy="4758585"/>
           </a:xfrm>
           <a:prstGeom prst="line">
             <a:avLst/>
@@ -5448,7 +5379,7 @@
         </p:nvCxnSpPr>
         <p:spPr>
           <a:xfrm>
-            <a:off x="-396339" y="2445765"/>
+            <a:off x="-396339" y="2438400"/>
             <a:ext cx="1533625" cy="0"/>
           </a:xfrm>
           <a:prstGeom prst="straightConnector1">
@@ -5492,7 +5423,7 @@
         </p:nvSpPr>
         <p:spPr>
           <a:xfrm>
-            <a:off x="8706127" y="2848162"/>
+            <a:off x="8706127" y="4469319"/>
             <a:ext cx="1606523" cy="184666"/>
           </a:xfrm>
           <a:prstGeom prst="rect">
@@ -5520,7 +5451,9 @@
             <a:r>
               <a:rPr lang="en-US" sz="1200" dirty="0" err="1">
                 <a:solidFill>
-                  <a:srgbClr val="7030A0"/>
+                  <a:schemeClr val="accent4">
+                    <a:lumMod val="75000"/>
+                  </a:schemeClr>
                 </a:solidFill>
               </a:rPr>
               <a:t>updatePerson</a:t>
@@ -5543,7 +5476,7 @@
         </p:nvSpPr>
         <p:spPr>
           <a:xfrm>
-            <a:off x="7268920" y="2835184"/>
+            <a:off x="7268920" y="4456341"/>
             <a:ext cx="1437207" cy="184666"/>
           </a:xfrm>
           <a:prstGeom prst="rect">
@@ -5569,7 +5502,7 @@
           </a:lstStyle>
           <a:p>
             <a:r>
-              <a:rPr lang="en-US" sz="1200">
+              <a:rPr lang="en-US" sz="1200" dirty="0" err="1">
                 <a:solidFill>
                   <a:srgbClr val="7030A0"/>
                 </a:solidFill>
@@ -5580,61 +5513,25 @@
           </a:p>
         </p:txBody>
       </p:sp>
-      <p:sp>
-        <p:nvSpPr>
-          <p:cNvPr id="158" name="TextBox 157">
+      <p:cxnSp>
+        <p:nvCxnSpPr>
+          <p:cNvPr id="89" name="Straight Connector 88">
             <a:extLst>
               <a:ext uri="{FF2B5EF4-FFF2-40B4-BE49-F238E27FC236}">
-                <a16:creationId xmlns:a16="http://schemas.microsoft.com/office/drawing/2014/main" id="{1C0DD7F6-7038-4186-88AA-02ED38810CB4}"/>
+                <a16:creationId xmlns:a16="http://schemas.microsoft.com/office/drawing/2014/main" id="{E4E1C8CA-49DF-45D8-80A5-D5C8282EE927}"/>
               </a:ext>
             </a:extLst>
           </p:cNvPr>
-          <p:cNvSpPr txBox="1"/>
-          <p:nvPr/>
-        </p:nvSpPr>
-        <p:spPr>
-          <a:xfrm>
-            <a:off x="9214175" y="3846612"/>
-            <a:ext cx="952727" cy="184666"/>
-          </a:xfrm>
-          <a:prstGeom prst="rect">
-            <a:avLst/>
-          </a:prstGeom>
-          <a:noFill/>
-        </p:spPr>
-        <p:txBody>
-          <a:bodyPr wrap="square" lIns="0" tIns="0" rIns="0" bIns="0" rtlCol="0">
-            <a:spAutoFit/>
-          </a:bodyPr>
-          <a:lstStyle>
-            <a:defPPr>
-              <a:defRPr lang="en-US"/>
-            </a:defPPr>
-            <a:lvl1pPr algn="r">
-              <a:defRPr sz="1400">
-                <a:solidFill>
-                  <a:srgbClr val="0070C0"/>
-                </a:solidFill>
-              </a:defRPr>
-            </a:lvl1pPr>
-          </a:lstStyle>
-          <a:p>
-            <a:endParaRPr lang="en-US" sz="1200" dirty="0"/>
-          </a:p>
-        </p:txBody>
-      </p:sp>
-      <p:cxnSp>
-        <p:nvCxnSpPr>
-          <p:cNvPr id="46" name="Straight Connector 45"/>
           <p:cNvCxnSpPr>
             <a:cxnSpLocks/>
+            <a:endCxn id="49" idx="2"/>
           </p:cNvCxnSpPr>
           <p:nvPr/>
         </p:nvCxnSpPr>
         <p:spPr>
-          <a:xfrm>
-            <a:off x="7172751" y="2781152"/>
-            <a:ext cx="0" cy="3127027"/>
+          <a:xfrm flipH="1">
+            <a:off x="8826446" y="4395173"/>
+            <a:ext cx="14758" cy="629254"/>
           </a:xfrm>
           <a:prstGeom prst="line">
             <a:avLst/>
@@ -5678,7 +5575,7 @@
         </p:nvCxnSpPr>
         <p:spPr>
           <a:xfrm>
-            <a:off x="7251109" y="3391247"/>
+            <a:off x="7251109" y="5012404"/>
             <a:ext cx="1606524" cy="16796"/>
           </a:xfrm>
           <a:prstGeom prst="straightConnector1">
@@ -5724,7 +5621,7 @@
         </p:nvCxnSpPr>
         <p:spPr>
           <a:xfrm flipV="1">
-            <a:off x="-419287" y="5586294"/>
+            <a:off x="-419287" y="6445411"/>
             <a:ext cx="4647017" cy="14228"/>
           </a:xfrm>
           <a:prstGeom prst="straightConnector1">
@@ -5915,7 +5812,7 @@
         </p:nvSpPr>
         <p:spPr>
           <a:xfrm>
-            <a:off x="2699566" y="2480972"/>
+            <a:off x="2699566" y="2549412"/>
             <a:ext cx="258404" cy="261610"/>
           </a:xfrm>
           <a:prstGeom prst="rect">
@@ -5956,7 +5853,7 @@
         </p:nvCxnSpPr>
         <p:spPr>
           <a:xfrm flipV="1">
-            <a:off x="4395454" y="3526659"/>
+            <a:off x="4395454" y="5105400"/>
             <a:ext cx="2698130" cy="9706"/>
           </a:xfrm>
           <a:prstGeom prst="straightConnector1">
@@ -6000,7 +5897,7 @@
         </p:nvSpPr>
         <p:spPr>
           <a:xfrm>
-            <a:off x="4680876" y="4189878"/>
+            <a:off x="4700590" y="5524678"/>
             <a:ext cx="1576051" cy="504882"/>
           </a:xfrm>
           <a:prstGeom prst="rect">
@@ -6067,7 +5964,7 @@
         </p:nvCxnSpPr>
         <p:spPr>
           <a:xfrm>
-            <a:off x="4395454" y="4419600"/>
+            <a:off x="4416912" y="5691566"/>
             <a:ext cx="269634" cy="0"/>
           </a:xfrm>
           <a:prstGeom prst="straightConnector1">
@@ -6109,7 +6006,7 @@
         </p:nvSpPr>
         <p:spPr>
           <a:xfrm>
-            <a:off x="5396939" y="4707212"/>
+            <a:off x="5432337" y="6030658"/>
             <a:ext cx="143923" cy="140025"/>
           </a:xfrm>
           <a:prstGeom prst="rect">
@@ -6164,7 +6061,7 @@
         </p:nvCxnSpPr>
         <p:spPr>
           <a:xfrm>
-            <a:off x="4416912" y="4847237"/>
+            <a:off x="4395454" y="6170683"/>
             <a:ext cx="1084608" cy="0"/>
           </a:xfrm>
           <a:prstGeom prst="straightConnector1">
@@ -6210,7 +6107,7 @@
         </p:nvCxnSpPr>
         <p:spPr>
           <a:xfrm>
-            <a:off x="8830915" y="3131936"/>
+            <a:off x="8830915" y="4753093"/>
             <a:ext cx="77219" cy="61094"/>
           </a:xfrm>
           <a:prstGeom prst="curvedConnector3">
@@ -6248,8 +6145,8 @@
         </p:nvSpPr>
         <p:spPr>
           <a:xfrm>
-            <a:off x="4226017" y="2819437"/>
-            <a:ext cx="169437" cy="2781085"/>
+            <a:off x="4243526" y="1993268"/>
+            <a:ext cx="141258" cy="4466363"/>
           </a:xfrm>
           <a:prstGeom prst="rect">
             <a:avLst/>
@@ -6260,6 +6157,490 @@
           <a:ln>
             <a:solidFill>
               <a:srgbClr val="0070C0"/>
+            </a:solidFill>
+          </a:ln>
+          <a:effectLst/>
+        </p:spPr>
+        <p:style>
+          <a:lnRef idx="1">
+            <a:schemeClr val="accent3"/>
+          </a:lnRef>
+          <a:fillRef idx="2">
+            <a:schemeClr val="accent3"/>
+          </a:fillRef>
+          <a:effectRef idx="1">
+            <a:schemeClr val="accent3"/>
+          </a:effectRef>
+          <a:fontRef idx="minor">
+            <a:schemeClr val="dk1"/>
+          </a:fontRef>
+        </p:style>
+        <p:txBody>
+          <a:bodyPr rtlCol="0" anchor="ctr"/>
+          <a:lstStyle/>
+          <a:p>
+            <a:pPr algn="ctr"/>
+            <a:endParaRPr lang="en-SG" sz="1400"/>
+          </a:p>
+        </p:txBody>
+      </p:sp>
+      <p:sp>
+        <p:nvSpPr>
+          <p:cNvPr id="60" name="TextBox 59">
+            <a:extLst>
+              <a:ext uri="{FF2B5EF4-FFF2-40B4-BE49-F238E27FC236}">
+                <a16:creationId xmlns:a16="http://schemas.microsoft.com/office/drawing/2014/main" id="{0542E3E6-8BE4-40D1-B0EA-E97D6CACE06F}"/>
+              </a:ext>
+            </a:extLst>
+          </p:cNvPr>
+          <p:cNvSpPr txBox="1"/>
+          <p:nvPr/>
+        </p:nvSpPr>
+        <p:spPr>
+          <a:xfrm>
+            <a:off x="4671503" y="2514600"/>
+            <a:ext cx="1963839" cy="369332"/>
+          </a:xfrm>
+          <a:prstGeom prst="rect">
+            <a:avLst/>
+          </a:prstGeom>
+          <a:noFill/>
+        </p:spPr>
+        <p:txBody>
+          <a:bodyPr wrap="square" lIns="0" tIns="0" rIns="0" bIns="0" rtlCol="0">
+            <a:spAutoFit/>
+          </a:bodyPr>
+          <a:lstStyle>
+            <a:defPPr>
+              <a:defRPr lang="en-US"/>
+            </a:defPPr>
+            <a:lvl1pPr algn="r">
+              <a:defRPr sz="1400">
+                <a:solidFill>
+                  <a:srgbClr val="0070C0"/>
+                </a:solidFill>
+              </a:defRPr>
+            </a:lvl1pPr>
+          </a:lstStyle>
+          <a:p>
+            <a:pPr algn="ctr"/>
+            <a:r>
+              <a:rPr lang="en-US" sz="1200" dirty="0" err="1"/>
+              <a:t>UpdateModelFilterList</a:t>
+            </a:r>
+            <a:r>
+              <a:rPr lang="en-US" sz="1200" dirty="0"/>
+              <a:t> (person name)</a:t>
+            </a:r>
+          </a:p>
+        </p:txBody>
+      </p:sp>
+      <p:cxnSp>
+        <p:nvCxnSpPr>
+          <p:cNvPr id="62" name="Straight Arrow Connector 61">
+            <a:extLst>
+              <a:ext uri="{FF2B5EF4-FFF2-40B4-BE49-F238E27FC236}">
+                <a16:creationId xmlns:a16="http://schemas.microsoft.com/office/drawing/2014/main" id="{56B35F10-974A-403B-BF2E-BFBCC49DD402}"/>
+              </a:ext>
+            </a:extLst>
+          </p:cNvPr>
+          <p:cNvCxnSpPr>
+            <a:cxnSpLocks/>
+          </p:cNvCxnSpPr>
+          <p:nvPr/>
+        </p:nvCxnSpPr>
+        <p:spPr>
+          <a:xfrm>
+            <a:off x="4246142" y="2770601"/>
+            <a:ext cx="2926609" cy="0"/>
+          </a:xfrm>
+          <a:prstGeom prst="straightConnector1">
+            <a:avLst/>
+          </a:prstGeom>
+          <a:ln w="19050">
+            <a:solidFill>
+              <a:srgbClr val="0070C0"/>
+            </a:solidFill>
+            <a:tailEnd type="arrow"/>
+          </a:ln>
+        </p:spPr>
+        <p:style>
+          <a:lnRef idx="1">
+            <a:schemeClr val="accent1"/>
+          </a:lnRef>
+          <a:fillRef idx="0">
+            <a:schemeClr val="accent1"/>
+          </a:fillRef>
+          <a:effectRef idx="0">
+            <a:schemeClr val="accent1"/>
+          </a:effectRef>
+          <a:fontRef idx="minor">
+            <a:schemeClr val="tx1"/>
+          </a:fontRef>
+        </p:style>
+      </p:cxnSp>
+      <p:cxnSp>
+        <p:nvCxnSpPr>
+          <p:cNvPr id="64" name="Straight Arrow Connector 63">
+            <a:extLst>
+              <a:ext uri="{FF2B5EF4-FFF2-40B4-BE49-F238E27FC236}">
+                <a16:creationId xmlns:a16="http://schemas.microsoft.com/office/drawing/2014/main" id="{52A134E4-5227-47F2-9362-7AACC863CFF3}"/>
+              </a:ext>
+            </a:extLst>
+          </p:cNvPr>
+          <p:cNvCxnSpPr>
+            <a:cxnSpLocks/>
+          </p:cNvCxnSpPr>
+          <p:nvPr/>
+        </p:nvCxnSpPr>
+        <p:spPr>
+          <a:xfrm flipV="1">
+            <a:off x="4384784" y="3013388"/>
+            <a:ext cx="2737637" cy="14298"/>
+          </a:xfrm>
+          <a:prstGeom prst="straightConnector1">
+            <a:avLst/>
+          </a:prstGeom>
+          <a:ln w="19050">
+            <a:solidFill>
+              <a:srgbClr val="7030A0"/>
+            </a:solidFill>
+            <a:prstDash val="sysDash"/>
+            <a:headEnd type="arrow" w="med" len="med"/>
+            <a:tailEnd type="none" w="med" len="med"/>
+          </a:ln>
+        </p:spPr>
+        <p:style>
+          <a:lnRef idx="1">
+            <a:schemeClr val="accent1"/>
+          </a:lnRef>
+          <a:fillRef idx="0">
+            <a:schemeClr val="accent1"/>
+          </a:fillRef>
+          <a:effectRef idx="0">
+            <a:schemeClr val="accent1"/>
+          </a:effectRef>
+          <a:fontRef idx="minor">
+            <a:schemeClr val="tx1"/>
+          </a:fontRef>
+        </p:style>
+      </p:cxnSp>
+      <p:cxnSp>
+        <p:nvCxnSpPr>
+          <p:cNvPr id="68" name="Connector: Curved 67">
+            <a:extLst>
+              <a:ext uri="{FF2B5EF4-FFF2-40B4-BE49-F238E27FC236}">
+                <a16:creationId xmlns:a16="http://schemas.microsoft.com/office/drawing/2014/main" id="{DCCF8119-7945-47E5-B5B3-38F57986A0B7}"/>
+              </a:ext>
+            </a:extLst>
+          </p:cNvPr>
+          <p:cNvCxnSpPr>
+            <a:cxnSpLocks/>
+          </p:cNvCxnSpPr>
+          <p:nvPr/>
+        </p:nvCxnSpPr>
+        <p:spPr>
+          <a:xfrm>
+            <a:off x="4343400" y="3229401"/>
+            <a:ext cx="77219" cy="61094"/>
+          </a:xfrm>
+          <a:prstGeom prst="curvedConnector3">
+            <a:avLst>
+              <a:gd name="adj1" fmla="val 835537"/>
+            </a:avLst>
+          </a:prstGeom>
+          <a:ln>
+            <a:solidFill>
+              <a:schemeClr val="tx2">
+                <a:lumMod val="60000"/>
+                <a:lumOff val="40000"/>
+              </a:schemeClr>
+            </a:solidFill>
+            <a:tailEnd type="triangle"/>
+          </a:ln>
+        </p:spPr>
+        <p:style>
+          <a:lnRef idx="1">
+            <a:schemeClr val="accent1"/>
+          </a:lnRef>
+          <a:fillRef idx="0">
+            <a:schemeClr val="accent1"/>
+          </a:fillRef>
+          <a:effectRef idx="0">
+            <a:schemeClr val="accent1"/>
+          </a:effectRef>
+          <a:fontRef idx="minor">
+            <a:schemeClr val="tx1"/>
+          </a:fontRef>
+        </p:style>
+      </p:cxnSp>
+      <p:sp>
+        <p:nvSpPr>
+          <p:cNvPr id="70" name="TextBox 69">
+            <a:extLst>
+              <a:ext uri="{FF2B5EF4-FFF2-40B4-BE49-F238E27FC236}">
+                <a16:creationId xmlns:a16="http://schemas.microsoft.com/office/drawing/2014/main" id="{3362C5E8-6D40-4628-8673-6836457B444F}"/>
+              </a:ext>
+            </a:extLst>
+          </p:cNvPr>
+          <p:cNvSpPr txBox="1"/>
+          <p:nvPr/>
+        </p:nvSpPr>
+        <p:spPr>
+          <a:xfrm>
+            <a:off x="4986956" y="3143649"/>
+            <a:ext cx="1493946" cy="369332"/>
+          </a:xfrm>
+          <a:prstGeom prst="rect">
+            <a:avLst/>
+          </a:prstGeom>
+          <a:noFill/>
+        </p:spPr>
+        <p:txBody>
+          <a:bodyPr wrap="square" lIns="0" tIns="0" rIns="0" bIns="0" rtlCol="0">
+            <a:spAutoFit/>
+          </a:bodyPr>
+          <a:lstStyle>
+            <a:defPPr>
+              <a:defRPr lang="en-US"/>
+            </a:defPPr>
+            <a:lvl1pPr algn="r">
+              <a:defRPr sz="1400">
+                <a:solidFill>
+                  <a:srgbClr val="0070C0"/>
+                </a:solidFill>
+              </a:defRPr>
+            </a:lvl1pPr>
+          </a:lstStyle>
+          <a:p>
+            <a:pPr algn="ctr"/>
+            <a:r>
+              <a:rPr lang="en-US" sz="1200" dirty="0"/>
+              <a:t>Check and get Person details</a:t>
+            </a:r>
+          </a:p>
+        </p:txBody>
+      </p:sp>
+      <p:cxnSp>
+        <p:nvCxnSpPr>
+          <p:cNvPr id="71" name="Connector: Curved 70">
+            <a:extLst>
+              <a:ext uri="{FF2B5EF4-FFF2-40B4-BE49-F238E27FC236}">
+                <a16:creationId xmlns:a16="http://schemas.microsoft.com/office/drawing/2014/main" id="{950E99CF-7273-4A62-AA09-D0D6AF304E47}"/>
+              </a:ext>
+            </a:extLst>
+          </p:cNvPr>
+          <p:cNvCxnSpPr>
+            <a:cxnSpLocks/>
+          </p:cNvCxnSpPr>
+          <p:nvPr/>
+        </p:nvCxnSpPr>
+        <p:spPr>
+          <a:xfrm>
+            <a:off x="4343400" y="3727020"/>
+            <a:ext cx="77219" cy="61094"/>
+          </a:xfrm>
+          <a:prstGeom prst="curvedConnector3">
+            <a:avLst>
+              <a:gd name="adj1" fmla="val 835537"/>
+            </a:avLst>
+          </a:prstGeom>
+          <a:ln>
+            <a:solidFill>
+              <a:schemeClr val="tx2">
+                <a:lumMod val="60000"/>
+                <a:lumOff val="40000"/>
+              </a:schemeClr>
+            </a:solidFill>
+            <a:tailEnd type="triangle"/>
+          </a:ln>
+        </p:spPr>
+        <p:style>
+          <a:lnRef idx="1">
+            <a:schemeClr val="accent1"/>
+          </a:lnRef>
+          <a:fillRef idx="0">
+            <a:schemeClr val="accent1"/>
+          </a:fillRef>
+          <a:effectRef idx="0">
+            <a:schemeClr val="accent1"/>
+          </a:effectRef>
+          <a:fontRef idx="minor">
+            <a:schemeClr val="tx1"/>
+          </a:fontRef>
+        </p:style>
+      </p:cxnSp>
+      <p:sp>
+        <p:nvSpPr>
+          <p:cNvPr id="72" name="TextBox 71">
+            <a:extLst>
+              <a:ext uri="{FF2B5EF4-FFF2-40B4-BE49-F238E27FC236}">
+                <a16:creationId xmlns:a16="http://schemas.microsoft.com/office/drawing/2014/main" id="{78B808FE-DE24-4034-93B5-71BF94DC5B19}"/>
+              </a:ext>
+            </a:extLst>
+          </p:cNvPr>
+          <p:cNvSpPr txBox="1"/>
+          <p:nvPr/>
+        </p:nvSpPr>
+        <p:spPr>
+          <a:xfrm>
+            <a:off x="5054841" y="3647204"/>
+            <a:ext cx="1532091" cy="369332"/>
+          </a:xfrm>
+          <a:prstGeom prst="rect">
+            <a:avLst/>
+          </a:prstGeom>
+          <a:noFill/>
+        </p:spPr>
+        <p:txBody>
+          <a:bodyPr wrap="square" lIns="0" tIns="0" rIns="0" bIns="0" rtlCol="0">
+            <a:spAutoFit/>
+          </a:bodyPr>
+          <a:lstStyle>
+            <a:defPPr>
+              <a:defRPr lang="en-US"/>
+            </a:defPPr>
+            <a:lvl1pPr algn="r">
+              <a:defRPr sz="1400">
+                <a:solidFill>
+                  <a:srgbClr val="0070C0"/>
+                </a:solidFill>
+              </a:defRPr>
+            </a:lvl1pPr>
+          </a:lstStyle>
+          <a:p>
+            <a:pPr algn="ctr"/>
+            <a:r>
+              <a:rPr lang="en-US" sz="1200" dirty="0" err="1"/>
+              <a:t>insertIntoPerson</a:t>
+            </a:r>
+            <a:r>
+              <a:rPr lang="en-US" sz="1200" dirty="0"/>
+              <a:t>(</a:t>
+            </a:r>
+            <a:r>
+              <a:rPr lang="en-US" sz="1200" dirty="0" err="1"/>
+              <a:t>person,model</a:t>
+            </a:r>
+            <a:r>
+              <a:rPr lang="en-US" sz="1200" dirty="0"/>
+              <a:t>)</a:t>
+            </a:r>
+          </a:p>
+        </p:txBody>
+      </p:sp>
+      <p:sp>
+        <p:nvSpPr>
+          <p:cNvPr id="77" name="Rectangle 76">
+            <a:extLst>
+              <a:ext uri="{FF2B5EF4-FFF2-40B4-BE49-F238E27FC236}">
+                <a16:creationId xmlns:a16="http://schemas.microsoft.com/office/drawing/2014/main" id="{5F1D9329-3A33-4BC7-A9BB-970CA03DD496}"/>
+              </a:ext>
+            </a:extLst>
+          </p:cNvPr>
+          <p:cNvSpPr/>
+          <p:nvPr/>
+        </p:nvSpPr>
+        <p:spPr>
+          <a:xfrm>
+            <a:off x="7116229" y="2699266"/>
+            <a:ext cx="139138" cy="314121"/>
+          </a:xfrm>
+          <a:prstGeom prst="rect">
+            <a:avLst/>
+          </a:prstGeom>
+          <a:solidFill>
+            <a:srgbClr val="7030A0"/>
+          </a:solidFill>
+          <a:ln>
+            <a:solidFill>
+              <a:srgbClr val="7030A0"/>
+            </a:solidFill>
+          </a:ln>
+          <a:effectLst/>
+        </p:spPr>
+        <p:style>
+          <a:lnRef idx="1">
+            <a:schemeClr val="accent3"/>
+          </a:lnRef>
+          <a:fillRef idx="2">
+            <a:schemeClr val="accent3"/>
+          </a:fillRef>
+          <a:effectRef idx="1">
+            <a:schemeClr val="accent3"/>
+          </a:effectRef>
+          <a:fontRef idx="minor">
+            <a:schemeClr val="dk1"/>
+          </a:fontRef>
+        </p:style>
+        <p:txBody>
+          <a:bodyPr rtlCol="0" anchor="ctr"/>
+          <a:lstStyle/>
+          <a:p>
+            <a:pPr algn="ctr"/>
+            <a:endParaRPr lang="en-SG" sz="1400"/>
+          </a:p>
+        </p:txBody>
+      </p:sp>
+      <p:cxnSp>
+        <p:nvCxnSpPr>
+          <p:cNvPr id="46" name="Straight Connector 45"/>
+          <p:cNvCxnSpPr>
+            <a:cxnSpLocks/>
+          </p:cNvCxnSpPr>
+          <p:nvPr/>
+        </p:nvCxnSpPr>
+        <p:spPr>
+          <a:xfrm flipH="1">
+            <a:off x="7172751" y="1587215"/>
+            <a:ext cx="23312" cy="3740028"/>
+          </a:xfrm>
+          <a:prstGeom prst="line">
+            <a:avLst/>
+          </a:prstGeom>
+          <a:ln w="19050">
+            <a:solidFill>
+              <a:srgbClr val="7030A0"/>
+            </a:solidFill>
+            <a:prstDash val="sysDash"/>
+          </a:ln>
+          <a:effectLst/>
+        </p:spPr>
+        <p:style>
+          <a:lnRef idx="1">
+            <a:schemeClr val="accent1"/>
+          </a:lnRef>
+          <a:fillRef idx="2">
+            <a:schemeClr val="accent1"/>
+          </a:fillRef>
+          <a:effectRef idx="1">
+            <a:schemeClr val="accent1"/>
+          </a:effectRef>
+          <a:fontRef idx="minor">
+            <a:schemeClr val="dk1"/>
+          </a:fontRef>
+        </p:style>
+      </p:cxnSp>
+      <p:sp>
+        <p:nvSpPr>
+          <p:cNvPr id="86" name="Rectangle 85"/>
+          <p:cNvSpPr/>
+          <p:nvPr/>
+        </p:nvSpPr>
+        <p:spPr>
+          <a:xfrm>
+            <a:off x="7075021" y="4495800"/>
+            <a:ext cx="163377" cy="657299"/>
+          </a:xfrm>
+          <a:prstGeom prst="rect">
+            <a:avLst/>
+          </a:prstGeom>
+          <a:solidFill>
+            <a:srgbClr val="7030A0"/>
+          </a:solidFill>
+          <a:ln>
+            <a:solidFill>
+              <a:srgbClr val="7030A0"/>
             </a:solidFill>
           </a:ln>
           <a:effectLst/>
